--- a/CABS/ReadersWriters/ReadersWriters.pptx
+++ b/CABS/ReadersWriters/ReadersWriters.pptx
@@ -10,6 +10,9 @@
     <p:sldId id="261" r:id="rId4"/>
     <p:sldId id="259" r:id="rId5"/>
     <p:sldId id="260" r:id="rId6"/>
+    <p:sldId id="262" r:id="rId7"/>
+    <p:sldId id="263" r:id="rId8"/>
+    <p:sldId id="264" r:id="rId9"/>
   </p:sldIdLst>
   <p:sldSz cx="12192000" cy="6858000"/>
   <p:notesSz cx="6858000" cy="9144000"/>
@@ -114,6 +117,237 @@
     </p:ext>
   </p:extLst>
 </p:presentation>
+</file>
+
+<file path=ppt/revisionInfo.xml><?xml version="1.0" encoding="utf-8"?>
+<p1510:revInfo xmlns:a="http://schemas.openxmlformats.org/drawingml/2006/main" xmlns:r="http://schemas.openxmlformats.org/officeDocument/2006/relationships" xmlns:p1510="http://schemas.microsoft.com/office/powerpoint/2015/10/main">
+  <p1510:revLst>
+    <p1510:client id="{463A1C35-781C-44EF-988E-D98490DDE5EE}" v="12" dt="2025-03-06T15:52:51.081"/>
+  </p1510:revLst>
+</p1510:revInfo>
+</file>
+
+<file path=ppt/changesInfos/changesInfo1.xml><?xml version="1.0" encoding="utf-8"?>
+<pc:chgInfo xmlns:a="http://schemas.openxmlformats.org/drawingml/2006/main" xmlns:r="http://schemas.openxmlformats.org/officeDocument/2006/relationships" xmlns:ac="http://schemas.microsoft.com/office/drawing/2013/main/command" xmlns:pc="http://schemas.microsoft.com/office/powerpoint/2013/main/command">
+  <pc:docChgLst>
+    <pc:chgData name="Lukas Grünzweil" userId="0486b1c61146c26f" providerId="LiveId" clId="{463A1C35-781C-44EF-988E-D98490DDE5EE}"/>
+    <pc:docChg chg="undo custSel addSld modSld">
+      <pc:chgData name="Lukas Grünzweil" userId="0486b1c61146c26f" providerId="LiveId" clId="{463A1C35-781C-44EF-988E-D98490DDE5EE}" dt="2025-03-06T15:52:51.081" v="1096"/>
+      <pc:docMkLst>
+        <pc:docMk/>
+      </pc:docMkLst>
+      <pc:sldChg chg="modSp mod">
+        <pc:chgData name="Lukas Grünzweil" userId="0486b1c61146c26f" providerId="LiveId" clId="{463A1C35-781C-44EF-988E-D98490DDE5EE}" dt="2025-03-05T17:02:05.610" v="2" actId="313"/>
+        <pc:sldMkLst>
+          <pc:docMk/>
+          <pc:sldMk cId="2224075460" sldId="256"/>
+        </pc:sldMkLst>
+        <pc:spChg chg="mod">
+          <ac:chgData name="Lukas Grünzweil" userId="0486b1c61146c26f" providerId="LiveId" clId="{463A1C35-781C-44EF-988E-D98490DDE5EE}" dt="2025-03-05T17:02:05.610" v="2" actId="313"/>
+          <ac:spMkLst>
+            <pc:docMk/>
+            <pc:sldMk cId="2224075460" sldId="256"/>
+            <ac:spMk id="2" creationId="{FDAA11DC-1944-AB83-63D5-E265B3103550}"/>
+          </ac:spMkLst>
+        </pc:spChg>
+      </pc:sldChg>
+      <pc:sldChg chg="modSp mod">
+        <pc:chgData name="Lukas Grünzweil" userId="0486b1c61146c26f" providerId="LiveId" clId="{463A1C35-781C-44EF-988E-D98490DDE5EE}" dt="2025-03-05T17:02:12.825" v="4" actId="20577"/>
+        <pc:sldMkLst>
+          <pc:docMk/>
+          <pc:sldMk cId="592381322" sldId="257"/>
+        </pc:sldMkLst>
+        <pc:spChg chg="mod">
+          <ac:chgData name="Lukas Grünzweil" userId="0486b1c61146c26f" providerId="LiveId" clId="{463A1C35-781C-44EF-988E-D98490DDE5EE}" dt="2025-03-05T17:02:08.605" v="3" actId="313"/>
+          <ac:spMkLst>
+            <pc:docMk/>
+            <pc:sldMk cId="592381322" sldId="257"/>
+            <ac:spMk id="2" creationId="{0C470D0F-4434-355F-CCC0-999AD638779C}"/>
+          </ac:spMkLst>
+        </pc:spChg>
+        <pc:graphicFrameChg chg="mod">
+          <ac:chgData name="Lukas Grünzweil" userId="0486b1c61146c26f" providerId="LiveId" clId="{463A1C35-781C-44EF-988E-D98490DDE5EE}" dt="2025-03-05T17:02:12.825" v="4" actId="20577"/>
+          <ac:graphicFrameMkLst>
+            <pc:docMk/>
+            <pc:sldMk cId="592381322" sldId="257"/>
+            <ac:graphicFrameMk id="7" creationId="{C76DE0E2-9327-66F5-BDC3-A675E36B2039}"/>
+          </ac:graphicFrameMkLst>
+        </pc:graphicFrameChg>
+      </pc:sldChg>
+      <pc:sldChg chg="modSp mod">
+        <pc:chgData name="Lukas Grünzweil" userId="0486b1c61146c26f" providerId="LiveId" clId="{463A1C35-781C-44EF-988E-D98490DDE5EE}" dt="2025-03-05T17:02:24.465" v="7" actId="20577"/>
+        <pc:sldMkLst>
+          <pc:docMk/>
+          <pc:sldMk cId="3801956081" sldId="259"/>
+        </pc:sldMkLst>
+        <pc:spChg chg="mod">
+          <ac:chgData name="Lukas Grünzweil" userId="0486b1c61146c26f" providerId="LiveId" clId="{463A1C35-781C-44EF-988E-D98490DDE5EE}" dt="2025-03-05T17:02:24.465" v="7" actId="20577"/>
+          <ac:spMkLst>
+            <pc:docMk/>
+            <pc:sldMk cId="3801956081" sldId="259"/>
+            <ac:spMk id="3" creationId="{1299B14F-46EC-5FDC-D3EA-A0D97631ADEF}"/>
+          </ac:spMkLst>
+        </pc:spChg>
+      </pc:sldChg>
+      <pc:sldChg chg="addSp delSp modSp mod modAnim">
+        <pc:chgData name="Lukas Grünzweil" userId="0486b1c61146c26f" providerId="LiveId" clId="{463A1C35-781C-44EF-988E-D98490DDE5EE}" dt="2025-03-06T15:52:51.081" v="1096"/>
+        <pc:sldMkLst>
+          <pc:docMk/>
+          <pc:sldMk cId="1168117392" sldId="260"/>
+        </pc:sldMkLst>
+        <pc:spChg chg="mod">
+          <ac:chgData name="Lukas Grünzweil" userId="0486b1c61146c26f" providerId="LiveId" clId="{463A1C35-781C-44EF-988E-D98490DDE5EE}" dt="2025-03-06T15:26:26.132" v="66" actId="20577"/>
+          <ac:spMkLst>
+            <pc:docMk/>
+            <pc:sldMk cId="1168117392" sldId="260"/>
+            <ac:spMk id="2" creationId="{9379DE17-6FCE-1FBD-02FE-C9852EB46338}"/>
+          </ac:spMkLst>
+        </pc:spChg>
+        <pc:spChg chg="del mod">
+          <ac:chgData name="Lukas Grünzweil" userId="0486b1c61146c26f" providerId="LiveId" clId="{463A1C35-781C-44EF-988E-D98490DDE5EE}" dt="2025-03-06T15:26:46.299" v="81" actId="478"/>
+          <ac:spMkLst>
+            <pc:docMk/>
+            <pc:sldMk cId="1168117392" sldId="260"/>
+            <ac:spMk id="3" creationId="{77B3119A-ED6B-25AD-513D-97AD0B96F603}"/>
+          </ac:spMkLst>
+        </pc:spChg>
+        <pc:spChg chg="add mod">
+          <ac:chgData name="Lukas Grünzweil" userId="0486b1c61146c26f" providerId="LiveId" clId="{463A1C35-781C-44EF-988E-D98490DDE5EE}" dt="2025-03-06T15:29:04.380" v="151" actId="1076"/>
+          <ac:spMkLst>
+            <pc:docMk/>
+            <pc:sldMk cId="1168117392" sldId="260"/>
+            <ac:spMk id="4" creationId="{2E8EFC9C-623D-4A61-7F45-08D72D3E7D8B}"/>
+          </ac:spMkLst>
+        </pc:spChg>
+        <pc:spChg chg="add mod">
+          <ac:chgData name="Lukas Grünzweil" userId="0486b1c61146c26f" providerId="LiveId" clId="{463A1C35-781C-44EF-988E-D98490DDE5EE}" dt="2025-03-06T15:29:04.380" v="151" actId="1076"/>
+          <ac:spMkLst>
+            <pc:docMk/>
+            <pc:sldMk cId="1168117392" sldId="260"/>
+            <ac:spMk id="5" creationId="{F14E0E2A-C55B-CF71-CAF9-F8810BCC9FD5}"/>
+          </ac:spMkLst>
+        </pc:spChg>
+        <pc:spChg chg="add mod">
+          <ac:chgData name="Lukas Grünzweil" userId="0486b1c61146c26f" providerId="LiveId" clId="{463A1C35-781C-44EF-988E-D98490DDE5EE}" dt="2025-03-06T15:29:04.380" v="151" actId="1076"/>
+          <ac:spMkLst>
+            <pc:docMk/>
+            <pc:sldMk cId="1168117392" sldId="260"/>
+            <ac:spMk id="6" creationId="{48E50CB0-BA40-47A2-0E49-A878036E74F3}"/>
+          </ac:spMkLst>
+        </pc:spChg>
+      </pc:sldChg>
+      <pc:sldChg chg="addSp delSp modSp add mod">
+        <pc:chgData name="Lukas Grünzweil" userId="0486b1c61146c26f" providerId="LiveId" clId="{463A1C35-781C-44EF-988E-D98490DDE5EE}" dt="2025-03-06T15:46:12.582" v="748" actId="20577"/>
+        <pc:sldMkLst>
+          <pc:docMk/>
+          <pc:sldMk cId="1878768618" sldId="262"/>
+        </pc:sldMkLst>
+        <pc:spChg chg="mod">
+          <ac:chgData name="Lukas Grünzweil" userId="0486b1c61146c26f" providerId="LiveId" clId="{463A1C35-781C-44EF-988E-D98490DDE5EE}" dt="2025-03-06T15:26:38.793" v="80" actId="20577"/>
+          <ac:spMkLst>
+            <pc:docMk/>
+            <pc:sldMk cId="1878768618" sldId="262"/>
+            <ac:spMk id="2" creationId="{6D4D7237-F294-F718-1C0C-28536AC3936E}"/>
+          </ac:spMkLst>
+        </pc:spChg>
+        <pc:spChg chg="del mod">
+          <ac:chgData name="Lukas Grünzweil" userId="0486b1c61146c26f" providerId="LiveId" clId="{463A1C35-781C-44EF-988E-D98490DDE5EE}" dt="2025-03-06T15:30:52.222" v="211" actId="478"/>
+          <ac:spMkLst>
+            <pc:docMk/>
+            <pc:sldMk cId="1878768618" sldId="262"/>
+            <ac:spMk id="3" creationId="{F1FEA4CA-C04F-5FE7-08B6-4AC5F62AA729}"/>
+          </ac:spMkLst>
+        </pc:spChg>
+        <pc:spChg chg="add mod">
+          <ac:chgData name="Lukas Grünzweil" userId="0486b1c61146c26f" providerId="LiveId" clId="{463A1C35-781C-44EF-988E-D98490DDE5EE}" dt="2025-03-06T15:31:06.312" v="213" actId="14100"/>
+          <ac:spMkLst>
+            <pc:docMk/>
+            <pc:sldMk cId="1878768618" sldId="262"/>
+            <ac:spMk id="4" creationId="{C0BF1DD8-EC24-9180-A739-60B9002D56D7}"/>
+          </ac:spMkLst>
+        </pc:spChg>
+        <pc:spChg chg="add mod">
+          <ac:chgData name="Lukas Grünzweil" userId="0486b1c61146c26f" providerId="LiveId" clId="{463A1C35-781C-44EF-988E-D98490DDE5EE}" dt="2025-03-06T15:32:33.380" v="228" actId="164"/>
+          <ac:spMkLst>
+            <pc:docMk/>
+            <pc:sldMk cId="1878768618" sldId="262"/>
+            <ac:spMk id="5" creationId="{BC9AFE6B-03AE-4214-E363-1D2CD597140F}"/>
+          </ac:spMkLst>
+        </pc:spChg>
+        <pc:spChg chg="add mod">
+          <ac:chgData name="Lukas Grünzweil" userId="0486b1c61146c26f" providerId="LiveId" clId="{463A1C35-781C-44EF-988E-D98490DDE5EE}" dt="2025-03-06T15:32:41.392" v="252" actId="20577"/>
+          <ac:spMkLst>
+            <pc:docMk/>
+            <pc:sldMk cId="1878768618" sldId="262"/>
+            <ac:spMk id="6" creationId="{9CAC19EB-7BEE-BB46-13B1-CD491831DD1B}"/>
+          </ac:spMkLst>
+        </pc:spChg>
+        <pc:spChg chg="add mod">
+          <ac:chgData name="Lukas Grünzweil" userId="0486b1c61146c26f" providerId="LiveId" clId="{463A1C35-781C-44EF-988E-D98490DDE5EE}" dt="2025-03-06T15:46:12.582" v="748" actId="20577"/>
+          <ac:spMkLst>
+            <pc:docMk/>
+            <pc:sldMk cId="1878768618" sldId="262"/>
+            <ac:spMk id="7" creationId="{FE97B36E-94CB-2673-96F5-E4ED9F28DC3D}"/>
+          </ac:spMkLst>
+        </pc:spChg>
+        <pc:grpChg chg="add mod">
+          <ac:chgData name="Lukas Grünzweil" userId="0486b1c61146c26f" providerId="LiveId" clId="{463A1C35-781C-44EF-988E-D98490DDE5EE}" dt="2025-03-06T15:32:33.380" v="228" actId="164"/>
+          <ac:grpSpMkLst>
+            <pc:docMk/>
+            <pc:sldMk cId="1878768618" sldId="262"/>
+            <ac:grpSpMk id="8" creationId="{3E914834-B14F-9A6A-373C-197484E31B14}"/>
+          </ac:grpSpMkLst>
+        </pc:grpChg>
+      </pc:sldChg>
+      <pc:sldChg chg="modSp add mod modTransition">
+        <pc:chgData name="Lukas Grünzweil" userId="0486b1c61146c26f" providerId="LiveId" clId="{463A1C35-781C-44EF-988E-D98490DDE5EE}" dt="2025-03-06T15:52:37.261" v="1095" actId="20577"/>
+        <pc:sldMkLst>
+          <pc:docMk/>
+          <pc:sldMk cId="2936746001" sldId="263"/>
+        </pc:sldMkLst>
+        <pc:spChg chg="mod">
+          <ac:chgData name="Lukas Grünzweil" userId="0486b1c61146c26f" providerId="LiveId" clId="{463A1C35-781C-44EF-988E-D98490DDE5EE}" dt="2025-03-06T15:46:44.421" v="757" actId="20577"/>
+          <ac:spMkLst>
+            <pc:docMk/>
+            <pc:sldMk cId="2936746001" sldId="263"/>
+            <ac:spMk id="6" creationId="{F87CB1BD-ABC4-D236-D5CA-740E68FF023B}"/>
+          </ac:spMkLst>
+        </pc:spChg>
+        <pc:spChg chg="mod">
+          <ac:chgData name="Lukas Grünzweil" userId="0486b1c61146c26f" providerId="LiveId" clId="{463A1C35-781C-44EF-988E-D98490DDE5EE}" dt="2025-03-06T15:52:37.261" v="1095" actId="20577"/>
+          <ac:spMkLst>
+            <pc:docMk/>
+            <pc:sldMk cId="2936746001" sldId="263"/>
+            <ac:spMk id="7" creationId="{65D73E93-48BA-C6FB-36A5-F31BC292A2A0}"/>
+          </ac:spMkLst>
+        </pc:spChg>
+      </pc:sldChg>
+      <pc:sldChg chg="modSp add mod modTransition">
+        <pc:chgData name="Lukas Grünzweil" userId="0486b1c61146c26f" providerId="LiveId" clId="{463A1C35-781C-44EF-988E-D98490DDE5EE}" dt="2025-03-06T15:52:02.271" v="1072"/>
+        <pc:sldMkLst>
+          <pc:docMk/>
+          <pc:sldMk cId="3587857271" sldId="264"/>
+        </pc:sldMkLst>
+        <pc:spChg chg="mod">
+          <ac:chgData name="Lukas Grünzweil" userId="0486b1c61146c26f" providerId="LiveId" clId="{463A1C35-781C-44EF-988E-D98490DDE5EE}" dt="2025-03-06T15:48:24.740" v="822" actId="20577"/>
+          <ac:spMkLst>
+            <pc:docMk/>
+            <pc:sldMk cId="3587857271" sldId="264"/>
+            <ac:spMk id="6" creationId="{3291588B-BC23-382E-E0EA-F4924A6C1D4E}"/>
+          </ac:spMkLst>
+        </pc:spChg>
+        <pc:spChg chg="mod">
+          <ac:chgData name="Lukas Grünzweil" userId="0486b1c61146c26f" providerId="LiveId" clId="{463A1C35-781C-44EF-988E-D98490DDE5EE}" dt="2025-03-06T15:49:30.784" v="1005" actId="20577"/>
+          <ac:spMkLst>
+            <pc:docMk/>
+            <pc:sldMk cId="3587857271" sldId="264"/>
+            <ac:spMk id="7" creationId="{7A02502F-25E2-713B-235F-3FF97D30BCBB}"/>
+          </ac:spMkLst>
+        </pc:spChg>
+      </pc:sldChg>
+    </pc:docChg>
+  </pc:docChgLst>
+</pc:chgInfo>
 </file>
 
 <file path=ppt/diagrams/colors1.xml><?xml version="1.0" encoding="utf-8"?>
@@ -968,11 +1202,7 @@
           </a:r>
           <a:r>
             <a:rPr lang="de-DE" dirty="0"/>
-            <a:t>Mehrere dürfen gleichzeitig </a:t>
-          </a:r>
-          <a:r>
-            <a:rPr lang="de-DE" dirty="0" err="1"/>
-            <a:t>lessen</a:t>
+            <a:t>Mehrere dürfen gleichzeitig lesen</a:t>
           </a:r>
           <a:endParaRPr lang="en-US" dirty="0"/>
         </a:p>
@@ -1542,11 +1772,7 @@
           </a:r>
           <a:r>
             <a:rPr lang="de-DE" sz="3800" kern="1200" dirty="0"/>
-            <a:t>Mehrere dürfen gleichzeitig </a:t>
-          </a:r>
-          <a:r>
-            <a:rPr lang="de-DE" sz="3800" kern="1200" dirty="0" err="1"/>
-            <a:t>lessen</a:t>
+            <a:t>Mehrere dürfen gleichzeitig lesen</a:t>
           </a:r>
           <a:endParaRPr lang="en-US" sz="3800" kern="1200" dirty="0"/>
         </a:p>
@@ -7475,7 +7701,7 @@
           <a:p>
             <a:fld id="{114568AB-DF98-4897-B04C-82446B692834}" type="datetimeFigureOut">
               <a:rPr lang="de-AT" smtClean="0"/>
-              <a:t>05.03.2025</a:t>
+              <a:t>06.03.2025</a:t>
             </a:fld>
             <a:endParaRPr lang="de-AT"/>
           </a:p>
@@ -7742,7 +7968,7 @@
           <a:p>
             <a:fld id="{114568AB-DF98-4897-B04C-82446B692834}" type="datetimeFigureOut">
               <a:rPr lang="de-AT" smtClean="0"/>
-              <a:t>05.03.2025</a:t>
+              <a:t>06.03.2025</a:t>
             </a:fld>
             <a:endParaRPr lang="de-AT"/>
           </a:p>
@@ -7938,7 +8164,7 @@
           <a:p>
             <a:fld id="{114568AB-DF98-4897-B04C-82446B692834}" type="datetimeFigureOut">
               <a:rPr lang="de-AT" smtClean="0"/>
-              <a:t>05.03.2025</a:t>
+              <a:t>06.03.2025</a:t>
             </a:fld>
             <a:endParaRPr lang="de-AT"/>
           </a:p>
@@ -8201,7 +8427,7 @@
           <a:p>
             <a:fld id="{114568AB-DF98-4897-B04C-82446B692834}" type="datetimeFigureOut">
               <a:rPr lang="de-AT" smtClean="0"/>
-              <a:t>05.03.2025</a:t>
+              <a:t>06.03.2025</a:t>
             </a:fld>
             <a:endParaRPr lang="de-AT"/>
           </a:p>
@@ -8635,7 +8861,7 @@
           <a:p>
             <a:fld id="{114568AB-DF98-4897-B04C-82446B692834}" type="datetimeFigureOut">
               <a:rPr lang="de-AT" smtClean="0"/>
-              <a:t>05.03.2025</a:t>
+              <a:t>06.03.2025</a:t>
             </a:fld>
             <a:endParaRPr lang="de-AT"/>
           </a:p>
@@ -9181,7 +9407,7 @@
           <a:p>
             <a:fld id="{114568AB-DF98-4897-B04C-82446B692834}" type="datetimeFigureOut">
               <a:rPr lang="de-AT" smtClean="0"/>
-              <a:t>05.03.2025</a:t>
+              <a:t>06.03.2025</a:t>
             </a:fld>
             <a:endParaRPr lang="de-AT"/>
           </a:p>
@@ -9901,7 +10127,7 @@
           <a:p>
             <a:fld id="{114568AB-DF98-4897-B04C-82446B692834}" type="datetimeFigureOut">
               <a:rPr lang="de-AT" smtClean="0"/>
-              <a:t>05.03.2025</a:t>
+              <a:t>06.03.2025</a:t>
             </a:fld>
             <a:endParaRPr lang="de-AT"/>
           </a:p>
@@ -10071,7 +10297,7 @@
           <a:p>
             <a:fld id="{114568AB-DF98-4897-B04C-82446B692834}" type="datetimeFigureOut">
               <a:rPr lang="de-AT" smtClean="0"/>
-              <a:t>05.03.2025</a:t>
+              <a:t>06.03.2025</a:t>
             </a:fld>
             <a:endParaRPr lang="de-AT"/>
           </a:p>
@@ -10251,7 +10477,7 @@
           <a:p>
             <a:fld id="{114568AB-DF98-4897-B04C-82446B692834}" type="datetimeFigureOut">
               <a:rPr lang="de-AT" smtClean="0"/>
-              <a:t>05.03.2025</a:t>
+              <a:t>06.03.2025</a:t>
             </a:fld>
             <a:endParaRPr lang="de-AT"/>
           </a:p>
@@ -10421,7 +10647,7 @@
           <a:p>
             <a:fld id="{114568AB-DF98-4897-B04C-82446B692834}" type="datetimeFigureOut">
               <a:rPr lang="de-AT" smtClean="0"/>
-              <a:t>05.03.2025</a:t>
+              <a:t>06.03.2025</a:t>
             </a:fld>
             <a:endParaRPr lang="de-AT"/>
           </a:p>
@@ -10671,7 +10897,7 @@
           <a:p>
             <a:fld id="{114568AB-DF98-4897-B04C-82446B692834}" type="datetimeFigureOut">
               <a:rPr lang="de-AT" smtClean="0"/>
-              <a:t>05.03.2025</a:t>
+              <a:t>06.03.2025</a:t>
             </a:fld>
             <a:endParaRPr lang="de-AT"/>
           </a:p>
@@ -10903,7 +11129,7 @@
           <a:p>
             <a:fld id="{114568AB-DF98-4897-B04C-82446B692834}" type="datetimeFigureOut">
               <a:rPr lang="de-AT" smtClean="0"/>
-              <a:t>05.03.2025</a:t>
+              <a:t>06.03.2025</a:t>
             </a:fld>
             <a:endParaRPr lang="de-AT"/>
           </a:p>
@@ -11284,7 +11510,7 @@
           <a:p>
             <a:fld id="{114568AB-DF98-4897-B04C-82446B692834}" type="datetimeFigureOut">
               <a:rPr lang="de-AT" smtClean="0"/>
-              <a:t>05.03.2025</a:t>
+              <a:t>06.03.2025</a:t>
             </a:fld>
             <a:endParaRPr lang="de-AT"/>
           </a:p>
@@ -11402,7 +11628,7 @@
           <a:p>
             <a:fld id="{114568AB-DF98-4897-B04C-82446B692834}" type="datetimeFigureOut">
               <a:rPr lang="de-AT" smtClean="0"/>
-              <a:t>05.03.2025</a:t>
+              <a:t>06.03.2025</a:t>
             </a:fld>
             <a:endParaRPr lang="de-AT"/>
           </a:p>
@@ -11497,7 +11723,7 @@
           <a:p>
             <a:fld id="{114568AB-DF98-4897-B04C-82446B692834}" type="datetimeFigureOut">
               <a:rPr lang="de-AT" smtClean="0"/>
-              <a:t>05.03.2025</a:t>
+              <a:t>06.03.2025</a:t>
             </a:fld>
             <a:endParaRPr lang="de-AT"/>
           </a:p>
@@ -11746,7 +11972,7 @@
           <a:p>
             <a:fld id="{114568AB-DF98-4897-B04C-82446B692834}" type="datetimeFigureOut">
               <a:rPr lang="de-AT" smtClean="0"/>
-              <a:t>05.03.2025</a:t>
+              <a:t>06.03.2025</a:t>
             </a:fld>
             <a:endParaRPr lang="de-AT"/>
           </a:p>
@@ -12026,7 +12252,7 @@
           <a:p>
             <a:fld id="{114568AB-DF98-4897-B04C-82446B692834}" type="datetimeFigureOut">
               <a:rPr lang="de-AT" smtClean="0"/>
-              <a:t>05.03.2025</a:t>
+              <a:t>06.03.2025</a:t>
             </a:fld>
             <a:endParaRPr lang="de-AT"/>
           </a:p>
@@ -15093,7 +15319,7 @@
           <a:p>
             <a:fld id="{114568AB-DF98-4897-B04C-82446B692834}" type="datetimeFigureOut">
               <a:rPr lang="de-AT" smtClean="0"/>
-              <a:t>05.03.2025</a:t>
+              <a:t>06.03.2025</a:t>
             </a:fld>
             <a:endParaRPr lang="de-AT"/>
           </a:p>
@@ -15536,23 +15762,7 @@
           <a:p>
             <a:r>
               <a:rPr lang="de-DE" dirty="0"/>
-              <a:t>Readers &amp; </a:t>
-            </a:r>
-            <a:r>
-              <a:rPr lang="de-DE" dirty="0" err="1"/>
-              <a:t>writters</a:t>
-            </a:r>
-            <a:r>
-              <a:rPr lang="de-DE" dirty="0"/>
-              <a:t> </a:t>
-            </a:r>
-            <a:r>
-              <a:rPr lang="de-DE" dirty="0" err="1"/>
-              <a:t>problem</a:t>
-            </a:r>
-            <a:r>
-              <a:rPr lang="de-DE" dirty="0"/>
-              <a:t> </a:t>
+              <a:t>Readers &amp; Writers Problem </a:t>
             </a:r>
             <a:endParaRPr lang="de-AT" dirty="0"/>
           </a:p>
@@ -15691,29 +15901,7 @@
                   </a:schemeClr>
                 </a:solidFill>
               </a:rPr>
-              <a:t>Was ist </a:t>
-            </a:r>
-            <a:r>
-              <a:rPr lang="de-DE" sz="6000" b="1" dirty="0" err="1">
-                <a:solidFill>
-                  <a:schemeClr val="tx2">
-                    <a:lumMod val="60000"/>
-                    <a:lumOff val="40000"/>
-                  </a:schemeClr>
-                </a:solidFill>
-              </a:rPr>
-              <a:t>reAders</a:t>
-            </a:r>
-            <a:r>
-              <a:rPr lang="de-DE" sz="6000" b="1" dirty="0">
-                <a:solidFill>
-                  <a:schemeClr val="tx2">
-                    <a:lumMod val="60000"/>
-                    <a:lumOff val="40000"/>
-                  </a:schemeClr>
-                </a:solidFill>
-              </a:rPr>
-              <a:t>/Writers?</a:t>
+              <a:t>Was ist Readers/Writers?</a:t>
             </a:r>
             <a:endParaRPr lang="de-AT" sz="6000" b="1" dirty="0">
               <a:solidFill>
@@ -15742,7 +15930,7 @@
             <p:ph idx="1"/>
             <p:extLst>
               <p:ext uri="{D42A27DB-BD31-4B8C-83A1-F6EECF244321}">
-                <p14:modId xmlns:p14="http://schemas.microsoft.com/office/powerpoint/2010/main" val="896971241"/>
+                <p14:modId xmlns:p14="http://schemas.microsoft.com/office/powerpoint/2010/main" val="3957317294"/>
               </p:ext>
             </p:extLst>
           </p:nvPr>
@@ -18321,6 +18509,14 @@
           <a:lstStyle/>
           <a:p>
             <a:r>
+              <a:rPr lang="de-AT" sz="4000" dirty="0">
+                <a:solidFill>
+                  <a:srgbClr val="FFFFFF"/>
+                </a:solidFill>
+              </a:rPr>
+              <a:t> </a:t>
+            </a:r>
+            <a:r>
               <a:rPr lang="de-AT" sz="4000" dirty="0" err="1">
                 <a:solidFill>
                   <a:srgbClr val="FFFFFF"/>
@@ -18341,7 +18537,7 @@
                   <a:srgbClr val="FFFFFF"/>
                 </a:solidFill>
               </a:rPr>
-              <a:t>Deadlock</a:t>
+              <a:t> Deadlock</a:t>
             </a:r>
           </a:p>
           <a:p>
@@ -18351,7 +18547,7 @@
                   <a:srgbClr val="FFFFFF"/>
                 </a:solidFill>
               </a:rPr>
-              <a:t>Gleichzeitiger Zugriff</a:t>
+              <a:t> Gleichzeitiger Zugriff</a:t>
             </a:r>
           </a:p>
         </p:txBody>
@@ -18417,7 +18613,7 @@
                   </a:schemeClr>
                 </a:solidFill>
               </a:rPr>
-              <a:t>Lösung</a:t>
+              <a:t>Lösungen</a:t>
             </a:r>
             <a:endParaRPr lang="de-AT" b="1" dirty="0">
               <a:solidFill>
@@ -18432,10 +18628,540 @@
       </p:sp>
       <p:sp>
         <p:nvSpPr>
-          <p:cNvPr id="3" name="Inhaltsplatzhalter 2">
+          <p:cNvPr id="4" name="Rechteck: abgerundete Ecken 3">
             <a:extLst>
               <a:ext uri="{FF2B5EF4-FFF2-40B4-BE49-F238E27FC236}">
-                <a16:creationId xmlns:a16="http://schemas.microsoft.com/office/drawing/2014/main" id="{77B3119A-ED6B-25AD-513D-97AD0B96F603}"/>
+                <a16:creationId xmlns:a16="http://schemas.microsoft.com/office/drawing/2014/main" id="{2E8EFC9C-623D-4A61-7F45-08D72D3E7D8B}"/>
+              </a:ext>
+            </a:extLst>
+          </p:cNvPr>
+          <p:cNvSpPr/>
+          <p:nvPr/>
+        </p:nvSpPr>
+        <p:spPr>
+          <a:xfrm>
+            <a:off x="2825432" y="2688336"/>
+            <a:ext cx="1746504" cy="2642616"/>
+          </a:xfrm>
+          <a:prstGeom prst="roundRect">
+            <a:avLst>
+              <a:gd name="adj" fmla="val 10384"/>
+            </a:avLst>
+          </a:prstGeom>
+          <a:solidFill>
+            <a:schemeClr val="dk1">
+              <a:alpha val="50000"/>
+            </a:schemeClr>
+          </a:solidFill>
+          <a:ln>
+            <a:noFill/>
+          </a:ln>
+        </p:spPr>
+        <p:style>
+          <a:lnRef idx="0">
+            <a:scrgbClr r="0" g="0" b="0"/>
+          </a:lnRef>
+          <a:fillRef idx="0">
+            <a:scrgbClr r="0" g="0" b="0"/>
+          </a:fillRef>
+          <a:effectRef idx="0">
+            <a:scrgbClr r="0" g="0" b="0"/>
+          </a:effectRef>
+          <a:fontRef idx="minor">
+            <a:schemeClr val="lt1"/>
+          </a:fontRef>
+        </p:style>
+        <p:txBody>
+          <a:bodyPr rtlCol="0" anchor="ctr"/>
+          <a:lstStyle/>
+          <a:p>
+            <a:pPr algn="ctr"/>
+            <a:r>
+              <a:rPr lang="de-DE" sz="2000" dirty="0"/>
+              <a:t>First </a:t>
+            </a:r>
+            <a:r>
+              <a:rPr lang="de-DE" sz="2000" dirty="0" err="1"/>
+              <a:t>come</a:t>
+            </a:r>
+            <a:r>
+              <a:rPr lang="de-DE" sz="2000" dirty="0"/>
+              <a:t>, </a:t>
+            </a:r>
+            <a:r>
+              <a:rPr lang="de-DE" sz="2000" dirty="0" err="1"/>
+              <a:t>first</a:t>
+            </a:r>
+            <a:r>
+              <a:rPr lang="de-DE" sz="2000" dirty="0"/>
+              <a:t> </a:t>
+            </a:r>
+            <a:r>
+              <a:rPr lang="de-DE" sz="2000" dirty="0" err="1"/>
+              <a:t>serve</a:t>
+            </a:r>
+            <a:endParaRPr lang="de-DE" sz="2000" dirty="0"/>
+          </a:p>
+        </p:txBody>
+      </p:sp>
+      <p:sp>
+        <p:nvSpPr>
+          <p:cNvPr id="5" name="Rechteck: abgerundete Ecken 4">
+            <a:extLst>
+              <a:ext uri="{FF2B5EF4-FFF2-40B4-BE49-F238E27FC236}">
+                <a16:creationId xmlns:a16="http://schemas.microsoft.com/office/drawing/2014/main" id="{F14E0E2A-C55B-CF71-CAF9-F8810BCC9FD5}"/>
+              </a:ext>
+            </a:extLst>
+          </p:cNvPr>
+          <p:cNvSpPr/>
+          <p:nvPr/>
+        </p:nvSpPr>
+        <p:spPr>
+          <a:xfrm>
+            <a:off x="5035232" y="2688336"/>
+            <a:ext cx="1746504" cy="2642616"/>
+          </a:xfrm>
+          <a:prstGeom prst="roundRect">
+            <a:avLst>
+              <a:gd name="adj" fmla="val 10384"/>
+            </a:avLst>
+          </a:prstGeom>
+          <a:solidFill>
+            <a:schemeClr val="dk1">
+              <a:alpha val="50000"/>
+            </a:schemeClr>
+          </a:solidFill>
+          <a:ln>
+            <a:noFill/>
+          </a:ln>
+        </p:spPr>
+        <p:style>
+          <a:lnRef idx="0">
+            <a:scrgbClr r="0" g="0" b="0"/>
+          </a:lnRef>
+          <a:fillRef idx="0">
+            <a:scrgbClr r="0" g="0" b="0"/>
+          </a:fillRef>
+          <a:effectRef idx="0">
+            <a:scrgbClr r="0" g="0" b="0"/>
+          </a:effectRef>
+          <a:fontRef idx="minor">
+            <a:schemeClr val="lt1"/>
+          </a:fontRef>
+        </p:style>
+        <p:txBody>
+          <a:bodyPr rtlCol="0" anchor="ctr"/>
+          <a:lstStyle/>
+          <a:p>
+            <a:pPr algn="ctr"/>
+            <a:r>
+              <a:rPr lang="de-DE" sz="2000" dirty="0" err="1"/>
+              <a:t>Combination</a:t>
+            </a:r>
+            <a:r>
+              <a:rPr lang="de-DE" sz="2000" dirty="0"/>
+              <a:t> </a:t>
+            </a:r>
+            <a:r>
+              <a:rPr lang="de-DE" sz="2000" dirty="0" err="1"/>
+              <a:t>Locking</a:t>
+            </a:r>
+            <a:endParaRPr lang="de-DE" sz="2000" dirty="0"/>
+          </a:p>
+        </p:txBody>
+      </p:sp>
+      <p:sp>
+        <p:nvSpPr>
+          <p:cNvPr id="6" name="Rechteck: abgerundete Ecken 5">
+            <a:extLst>
+              <a:ext uri="{FF2B5EF4-FFF2-40B4-BE49-F238E27FC236}">
+                <a16:creationId xmlns:a16="http://schemas.microsoft.com/office/drawing/2014/main" id="{48E50CB0-BA40-47A2-0E49-A878036E74F3}"/>
+              </a:ext>
+            </a:extLst>
+          </p:cNvPr>
+          <p:cNvSpPr/>
+          <p:nvPr/>
+        </p:nvSpPr>
+        <p:spPr>
+          <a:xfrm>
+            <a:off x="7245032" y="2688336"/>
+            <a:ext cx="1746504" cy="2642616"/>
+          </a:xfrm>
+          <a:prstGeom prst="roundRect">
+            <a:avLst>
+              <a:gd name="adj" fmla="val 10384"/>
+            </a:avLst>
+          </a:prstGeom>
+          <a:solidFill>
+            <a:schemeClr val="dk1">
+              <a:alpha val="50000"/>
+            </a:schemeClr>
+          </a:solidFill>
+          <a:ln>
+            <a:noFill/>
+          </a:ln>
+        </p:spPr>
+        <p:style>
+          <a:lnRef idx="0">
+            <a:scrgbClr r="0" g="0" b="0"/>
+          </a:lnRef>
+          <a:fillRef idx="0">
+            <a:scrgbClr r="0" g="0" b="0"/>
+          </a:fillRef>
+          <a:effectRef idx="0">
+            <a:scrgbClr r="0" g="0" b="0"/>
+          </a:effectRef>
+          <a:fontRef idx="minor">
+            <a:schemeClr val="lt1"/>
+          </a:fontRef>
+        </p:style>
+        <p:txBody>
+          <a:bodyPr rtlCol="0" anchor="ctr"/>
+          <a:lstStyle/>
+          <a:p>
+            <a:pPr algn="ctr"/>
+            <a:r>
+              <a:rPr lang="de-DE" sz="2000" dirty="0"/>
+              <a:t>FIFO-Queue</a:t>
+            </a:r>
+          </a:p>
+        </p:txBody>
+      </p:sp>
+    </p:spTree>
+    <p:extLst>
+      <p:ext uri="{BB962C8B-B14F-4D97-AF65-F5344CB8AC3E}">
+        <p14:creationId xmlns:p14="http://schemas.microsoft.com/office/powerpoint/2010/main" val="1168117392"/>
+      </p:ext>
+    </p:extLst>
+  </p:cSld>
+  <p:clrMapOvr>
+    <a:masterClrMapping/>
+  </p:clrMapOvr>
+  <p:timing>
+    <p:tnLst>
+      <p:par>
+        <p:cTn id="1" dur="indefinite" restart="never" nodeType="tmRoot">
+          <p:childTnLst>
+            <p:seq concurrent="1" nextAc="seek">
+              <p:cTn id="2" dur="indefinite" nodeType="mainSeq">
+                <p:childTnLst>
+                  <p:par>
+                    <p:cTn id="3" fill="hold">
+                      <p:stCondLst>
+                        <p:cond delay="indefinite"/>
+                        <p:cond evt="onBegin" delay="0">
+                          <p:tn val="2"/>
+                        </p:cond>
+                      </p:stCondLst>
+                      <p:childTnLst>
+                        <p:par>
+                          <p:cTn id="4" fill="hold">
+                            <p:stCondLst>
+                              <p:cond delay="0"/>
+                            </p:stCondLst>
+                            <p:childTnLst>
+                              <p:par>
+                                <p:cTn id="5" presetID="2" presetClass="entr" presetSubtype="4" fill="hold" grpId="0" nodeType="afterEffect">
+                                  <p:stCondLst>
+                                    <p:cond delay="0"/>
+                                  </p:stCondLst>
+                                  <p:childTnLst>
+                                    <p:set>
+                                      <p:cBhvr>
+                                        <p:cTn id="6" dur="1" fill="hold">
+                                          <p:stCondLst>
+                                            <p:cond delay="0"/>
+                                          </p:stCondLst>
+                                        </p:cTn>
+                                        <p:tgtEl>
+                                          <p:spTgt spid="4"/>
+                                        </p:tgtEl>
+                                        <p:attrNameLst>
+                                          <p:attrName>style.visibility</p:attrName>
+                                        </p:attrNameLst>
+                                      </p:cBhvr>
+                                      <p:to>
+                                        <p:strVal val="visible"/>
+                                      </p:to>
+                                    </p:set>
+                                    <p:anim calcmode="lin" valueType="num">
+                                      <p:cBhvr additive="base">
+                                        <p:cTn id="7" dur="500" fill="hold"/>
+                                        <p:tgtEl>
+                                          <p:spTgt spid="4"/>
+                                        </p:tgtEl>
+                                        <p:attrNameLst>
+                                          <p:attrName>ppt_x</p:attrName>
+                                        </p:attrNameLst>
+                                      </p:cBhvr>
+                                      <p:tavLst>
+                                        <p:tav tm="0">
+                                          <p:val>
+                                            <p:strVal val="#ppt_x"/>
+                                          </p:val>
+                                        </p:tav>
+                                        <p:tav tm="100000">
+                                          <p:val>
+                                            <p:strVal val="#ppt_x"/>
+                                          </p:val>
+                                        </p:tav>
+                                      </p:tavLst>
+                                    </p:anim>
+                                    <p:anim calcmode="lin" valueType="num">
+                                      <p:cBhvr additive="base">
+                                        <p:cTn id="8" dur="500" fill="hold"/>
+                                        <p:tgtEl>
+                                          <p:spTgt spid="4"/>
+                                        </p:tgtEl>
+                                        <p:attrNameLst>
+                                          <p:attrName>ppt_y</p:attrName>
+                                        </p:attrNameLst>
+                                      </p:cBhvr>
+                                      <p:tavLst>
+                                        <p:tav tm="0">
+                                          <p:val>
+                                            <p:strVal val="1+#ppt_h/2"/>
+                                          </p:val>
+                                        </p:tav>
+                                        <p:tav tm="100000">
+                                          <p:val>
+                                            <p:strVal val="#ppt_y"/>
+                                          </p:val>
+                                        </p:tav>
+                                      </p:tavLst>
+                                    </p:anim>
+                                  </p:childTnLst>
+                                </p:cTn>
+                              </p:par>
+                            </p:childTnLst>
+                          </p:cTn>
+                        </p:par>
+                        <p:par>
+                          <p:cTn id="9" fill="hold">
+                            <p:stCondLst>
+                              <p:cond delay="500"/>
+                            </p:stCondLst>
+                            <p:childTnLst>
+                              <p:par>
+                                <p:cTn id="10" presetID="2" presetClass="entr" presetSubtype="4" fill="hold" grpId="0" nodeType="afterEffect">
+                                  <p:stCondLst>
+                                    <p:cond delay="0"/>
+                                  </p:stCondLst>
+                                  <p:childTnLst>
+                                    <p:set>
+                                      <p:cBhvr>
+                                        <p:cTn id="11" dur="1" fill="hold">
+                                          <p:stCondLst>
+                                            <p:cond delay="0"/>
+                                          </p:stCondLst>
+                                        </p:cTn>
+                                        <p:tgtEl>
+                                          <p:spTgt spid="5"/>
+                                        </p:tgtEl>
+                                        <p:attrNameLst>
+                                          <p:attrName>style.visibility</p:attrName>
+                                        </p:attrNameLst>
+                                      </p:cBhvr>
+                                      <p:to>
+                                        <p:strVal val="visible"/>
+                                      </p:to>
+                                    </p:set>
+                                    <p:anim calcmode="lin" valueType="num">
+                                      <p:cBhvr additive="base">
+                                        <p:cTn id="12" dur="500" fill="hold"/>
+                                        <p:tgtEl>
+                                          <p:spTgt spid="5"/>
+                                        </p:tgtEl>
+                                        <p:attrNameLst>
+                                          <p:attrName>ppt_x</p:attrName>
+                                        </p:attrNameLst>
+                                      </p:cBhvr>
+                                      <p:tavLst>
+                                        <p:tav tm="0">
+                                          <p:val>
+                                            <p:strVal val="#ppt_x"/>
+                                          </p:val>
+                                        </p:tav>
+                                        <p:tav tm="100000">
+                                          <p:val>
+                                            <p:strVal val="#ppt_x"/>
+                                          </p:val>
+                                        </p:tav>
+                                      </p:tavLst>
+                                    </p:anim>
+                                    <p:anim calcmode="lin" valueType="num">
+                                      <p:cBhvr additive="base">
+                                        <p:cTn id="13" dur="500" fill="hold"/>
+                                        <p:tgtEl>
+                                          <p:spTgt spid="5"/>
+                                        </p:tgtEl>
+                                        <p:attrNameLst>
+                                          <p:attrName>ppt_y</p:attrName>
+                                        </p:attrNameLst>
+                                      </p:cBhvr>
+                                      <p:tavLst>
+                                        <p:tav tm="0">
+                                          <p:val>
+                                            <p:strVal val="1+#ppt_h/2"/>
+                                          </p:val>
+                                        </p:tav>
+                                        <p:tav tm="100000">
+                                          <p:val>
+                                            <p:strVal val="#ppt_y"/>
+                                          </p:val>
+                                        </p:tav>
+                                      </p:tavLst>
+                                    </p:anim>
+                                  </p:childTnLst>
+                                </p:cTn>
+                              </p:par>
+                            </p:childTnLst>
+                          </p:cTn>
+                        </p:par>
+                        <p:par>
+                          <p:cTn id="14" fill="hold">
+                            <p:stCondLst>
+                              <p:cond delay="1000"/>
+                            </p:stCondLst>
+                            <p:childTnLst>
+                              <p:par>
+                                <p:cTn id="15" presetID="2" presetClass="entr" presetSubtype="4" fill="hold" grpId="0" nodeType="afterEffect">
+                                  <p:stCondLst>
+                                    <p:cond delay="0"/>
+                                  </p:stCondLst>
+                                  <p:childTnLst>
+                                    <p:set>
+                                      <p:cBhvr>
+                                        <p:cTn id="16" dur="1" fill="hold">
+                                          <p:stCondLst>
+                                            <p:cond delay="0"/>
+                                          </p:stCondLst>
+                                        </p:cTn>
+                                        <p:tgtEl>
+                                          <p:spTgt spid="6"/>
+                                        </p:tgtEl>
+                                        <p:attrNameLst>
+                                          <p:attrName>style.visibility</p:attrName>
+                                        </p:attrNameLst>
+                                      </p:cBhvr>
+                                      <p:to>
+                                        <p:strVal val="visible"/>
+                                      </p:to>
+                                    </p:set>
+                                    <p:anim calcmode="lin" valueType="num">
+                                      <p:cBhvr additive="base">
+                                        <p:cTn id="17" dur="500" fill="hold"/>
+                                        <p:tgtEl>
+                                          <p:spTgt spid="6"/>
+                                        </p:tgtEl>
+                                        <p:attrNameLst>
+                                          <p:attrName>ppt_x</p:attrName>
+                                        </p:attrNameLst>
+                                      </p:cBhvr>
+                                      <p:tavLst>
+                                        <p:tav tm="0">
+                                          <p:val>
+                                            <p:strVal val="#ppt_x"/>
+                                          </p:val>
+                                        </p:tav>
+                                        <p:tav tm="100000">
+                                          <p:val>
+                                            <p:strVal val="#ppt_x"/>
+                                          </p:val>
+                                        </p:tav>
+                                      </p:tavLst>
+                                    </p:anim>
+                                    <p:anim calcmode="lin" valueType="num">
+                                      <p:cBhvr additive="base">
+                                        <p:cTn id="18" dur="500" fill="hold"/>
+                                        <p:tgtEl>
+                                          <p:spTgt spid="6"/>
+                                        </p:tgtEl>
+                                        <p:attrNameLst>
+                                          <p:attrName>ppt_y</p:attrName>
+                                        </p:attrNameLst>
+                                      </p:cBhvr>
+                                      <p:tavLst>
+                                        <p:tav tm="0">
+                                          <p:val>
+                                            <p:strVal val="1+#ppt_h/2"/>
+                                          </p:val>
+                                        </p:tav>
+                                        <p:tav tm="100000">
+                                          <p:val>
+                                            <p:strVal val="#ppt_y"/>
+                                          </p:val>
+                                        </p:tav>
+                                      </p:tavLst>
+                                    </p:anim>
+                                  </p:childTnLst>
+                                </p:cTn>
+                              </p:par>
+                            </p:childTnLst>
+                          </p:cTn>
+                        </p:par>
+                      </p:childTnLst>
+                    </p:cTn>
+                  </p:par>
+                </p:childTnLst>
+              </p:cTn>
+              <p:prevCondLst>
+                <p:cond evt="onPrev" delay="0">
+                  <p:tgtEl>
+                    <p:sldTgt/>
+                  </p:tgtEl>
+                </p:cond>
+              </p:prevCondLst>
+              <p:nextCondLst>
+                <p:cond evt="onNext" delay="0">
+                  <p:tgtEl>
+                    <p:sldTgt/>
+                  </p:tgtEl>
+                </p:cond>
+              </p:nextCondLst>
+            </p:seq>
+          </p:childTnLst>
+        </p:cTn>
+      </p:par>
+    </p:tnLst>
+    <p:bldLst>
+      <p:bldP spid="4" grpId="0" animBg="1"/>
+      <p:bldP spid="5" grpId="0" animBg="1"/>
+      <p:bldP spid="6" grpId="0" animBg="1"/>
+    </p:bldLst>
+  </p:timing>
+</p:sld>
+</file>
+
+<file path=ppt/slides/slide6.xml><?xml version="1.0" encoding="utf-8"?>
+<p:sld xmlns:a="http://schemas.openxmlformats.org/drawingml/2006/main" xmlns:r="http://schemas.openxmlformats.org/officeDocument/2006/relationships" xmlns:p="http://schemas.openxmlformats.org/presentationml/2006/main">
+  <p:cSld>
+    <p:spTree>
+      <p:nvGrpSpPr>
+        <p:cNvPr id="1" name="">
+          <a:extLst>
+            <a:ext uri="{FF2B5EF4-FFF2-40B4-BE49-F238E27FC236}">
+              <a16:creationId xmlns:a16="http://schemas.microsoft.com/office/drawing/2014/main" id="{79B294CE-80FF-FAD4-3FAE-EBDA1E0C379E}"/>
+            </a:ext>
+          </a:extLst>
+        </p:cNvPr>
+        <p:cNvGrpSpPr/>
+        <p:nvPr/>
+      </p:nvGrpSpPr>
+      <p:grpSpPr>
+        <a:xfrm>
+          <a:off x="0" y="0"/>
+          <a:ext cx="0" cy="0"/>
+          <a:chOff x="0" y="0"/>
+          <a:chExt cx="0" cy="0"/>
+        </a:xfrm>
+      </p:grpSpPr>
+      <p:sp>
+        <p:nvSpPr>
+          <p:cNvPr id="2" name="Titel 1">
+            <a:extLst>
+              <a:ext uri="{FF2B5EF4-FFF2-40B4-BE49-F238E27FC236}">
+                <a16:creationId xmlns:a16="http://schemas.microsoft.com/office/drawing/2014/main" id="{6D4D7237-F294-F718-1C0C-28536AC3936E}"/>
               </a:ext>
             </a:extLst>
           </p:cNvPr>
@@ -18443,7 +19169,7 @@
             <a:spLocks noGrp="1"/>
           </p:cNvSpPr>
           <p:nvPr>
-            <p:ph idx="1"/>
+            <p:ph type="title"/>
           </p:nvPr>
         </p:nvSpPr>
         <p:spPr/>
@@ -18451,14 +19177,996 @@
           <a:bodyPr/>
           <a:lstStyle/>
           <a:p>
-            <a:endParaRPr lang="de-AT" dirty="0"/>
+            <a:pPr algn="ctr"/>
+            <a:r>
+              <a:rPr lang="de-DE" sz="8000" b="1" dirty="0">
+                <a:solidFill>
+                  <a:schemeClr val="tx2">
+                    <a:lumMod val="60000"/>
+                    <a:lumOff val="40000"/>
+                  </a:schemeClr>
+                </a:solidFill>
+              </a:rPr>
+              <a:t>Unsere Lösung</a:t>
+            </a:r>
+            <a:endParaRPr lang="de-AT" b="1" dirty="0">
+              <a:solidFill>
+                <a:schemeClr val="tx2">
+                  <a:lumMod val="60000"/>
+                  <a:lumOff val="40000"/>
+                </a:schemeClr>
+              </a:solidFill>
+            </a:endParaRPr>
           </a:p>
         </p:txBody>
       </p:sp>
+      <p:sp>
+        <p:nvSpPr>
+          <p:cNvPr id="4" name="Rechteck: abgerundete Ecken 3">
+            <a:extLst>
+              <a:ext uri="{FF2B5EF4-FFF2-40B4-BE49-F238E27FC236}">
+                <a16:creationId xmlns:a16="http://schemas.microsoft.com/office/drawing/2014/main" id="{C0BF1DD8-EC24-9180-A739-60B9002D56D7}"/>
+              </a:ext>
+            </a:extLst>
+          </p:cNvPr>
+          <p:cNvSpPr/>
+          <p:nvPr/>
+        </p:nvSpPr>
+        <p:spPr>
+          <a:xfrm>
+            <a:off x="3345846" y="2225104"/>
+            <a:ext cx="5497131" cy="545528"/>
+          </a:xfrm>
+          <a:prstGeom prst="roundRect">
+            <a:avLst>
+              <a:gd name="adj" fmla="val 40133"/>
+            </a:avLst>
+          </a:prstGeom>
+          <a:solidFill>
+            <a:schemeClr val="dk1">
+              <a:alpha val="50000"/>
+            </a:schemeClr>
+          </a:solidFill>
+          <a:ln>
+            <a:noFill/>
+          </a:ln>
+        </p:spPr>
+        <p:style>
+          <a:lnRef idx="0">
+            <a:scrgbClr r="0" g="0" b="0"/>
+          </a:lnRef>
+          <a:fillRef idx="0">
+            <a:scrgbClr r="0" g="0" b="0"/>
+          </a:fillRef>
+          <a:effectRef idx="0">
+            <a:scrgbClr r="0" g="0" b="0"/>
+          </a:effectRef>
+          <a:fontRef idx="minor">
+            <a:schemeClr val="lt1"/>
+          </a:fontRef>
+        </p:style>
+        <p:txBody>
+          <a:bodyPr rtlCol="0" anchor="ctr"/>
+          <a:lstStyle/>
+          <a:p>
+            <a:pPr algn="ctr"/>
+            <a:r>
+              <a:rPr lang="de-DE" sz="2400" dirty="0" err="1"/>
+              <a:t>Combination</a:t>
+            </a:r>
+            <a:r>
+              <a:rPr lang="de-DE" sz="2400" dirty="0"/>
+              <a:t> </a:t>
+            </a:r>
+            <a:r>
+              <a:rPr lang="de-DE" sz="2400" dirty="0" err="1"/>
+              <a:t>Locking</a:t>
+            </a:r>
+            <a:r>
+              <a:rPr lang="de-DE" sz="2400" dirty="0"/>
+              <a:t> (</a:t>
+            </a:r>
+            <a:r>
+              <a:rPr lang="de-DE" sz="2400" dirty="0" err="1"/>
+              <a:t>Two</a:t>
+            </a:r>
+            <a:r>
+              <a:rPr lang="de-DE" sz="2400" dirty="0"/>
+              <a:t>-Level-</a:t>
+            </a:r>
+            <a:r>
+              <a:rPr lang="de-DE" sz="2400" dirty="0" err="1"/>
+              <a:t>Locking</a:t>
+            </a:r>
+            <a:r>
+              <a:rPr lang="de-DE" sz="2400" dirty="0"/>
+              <a:t>)</a:t>
+            </a:r>
+          </a:p>
+        </p:txBody>
+      </p:sp>
+      <p:grpSp>
+        <p:nvGrpSpPr>
+          <p:cNvPr id="8" name="Gruppieren 7">
+            <a:extLst>
+              <a:ext uri="{FF2B5EF4-FFF2-40B4-BE49-F238E27FC236}">
+                <a16:creationId xmlns:a16="http://schemas.microsoft.com/office/drawing/2014/main" id="{3E914834-B14F-9A6A-373C-197484E31B14}"/>
+              </a:ext>
+            </a:extLst>
+          </p:cNvPr>
+          <p:cNvGrpSpPr/>
+          <p:nvPr/>
+        </p:nvGrpSpPr>
+        <p:grpSpPr>
+          <a:xfrm>
+            <a:off x="1141414" y="3236976"/>
+            <a:ext cx="9905998" cy="3002506"/>
+            <a:chOff x="1141414" y="3236976"/>
+            <a:chExt cx="9905998" cy="3002506"/>
+          </a:xfrm>
+        </p:grpSpPr>
+        <p:sp>
+          <p:nvSpPr>
+            <p:cNvPr id="5" name="Rechteck: abgerundete Ecken 4">
+              <a:extLst>
+                <a:ext uri="{FF2B5EF4-FFF2-40B4-BE49-F238E27FC236}">
+                  <a16:creationId xmlns:a16="http://schemas.microsoft.com/office/drawing/2014/main" id="{BC9AFE6B-03AE-4214-E363-1D2CD597140F}"/>
+                </a:ext>
+              </a:extLst>
+            </p:cNvPr>
+            <p:cNvSpPr/>
+            <p:nvPr/>
+          </p:nvSpPr>
+          <p:spPr>
+            <a:xfrm>
+              <a:off x="1141414" y="3236976"/>
+              <a:ext cx="9905998" cy="3002506"/>
+            </a:xfrm>
+            <a:prstGeom prst="roundRect">
+              <a:avLst/>
+            </a:prstGeom>
+            <a:noFill/>
+            <a:ln w="9525" cap="flat" cmpd="sng" algn="ctr">
+              <a:solidFill>
+                <a:schemeClr val="accent3"/>
+              </a:solidFill>
+              <a:prstDash val="solid"/>
+              <a:round/>
+              <a:headEnd type="none" w="med" len="med"/>
+              <a:tailEnd type="none" w="med" len="med"/>
+            </a:ln>
+          </p:spPr>
+          <p:style>
+            <a:lnRef idx="0">
+              <a:scrgbClr r="0" g="0" b="0"/>
+            </a:lnRef>
+            <a:fillRef idx="0">
+              <a:scrgbClr r="0" g="0" b="0"/>
+            </a:fillRef>
+            <a:effectRef idx="0">
+              <a:scrgbClr r="0" g="0" b="0"/>
+            </a:effectRef>
+            <a:fontRef idx="minor">
+              <a:schemeClr val="accent3"/>
+            </a:fontRef>
+          </p:style>
+          <p:txBody>
+            <a:bodyPr rtlCol="0" anchor="ctr"/>
+            <a:lstStyle/>
+            <a:p>
+              <a:pPr algn="ctr"/>
+              <a:endParaRPr lang="de-DE"/>
+            </a:p>
+          </p:txBody>
+        </p:sp>
+        <p:sp>
+          <p:nvSpPr>
+            <p:cNvPr id="6" name="Textfeld 5">
+              <a:extLst>
+                <a:ext uri="{FF2B5EF4-FFF2-40B4-BE49-F238E27FC236}">
+                  <a16:creationId xmlns:a16="http://schemas.microsoft.com/office/drawing/2014/main" id="{9CAC19EB-7BEE-BB46-13B1-CD491831DD1B}"/>
+                </a:ext>
+              </a:extLst>
+            </p:cNvPr>
+            <p:cNvSpPr txBox="1"/>
+            <p:nvPr/>
+          </p:nvSpPr>
+          <p:spPr>
+            <a:xfrm>
+              <a:off x="1499616" y="3429000"/>
+              <a:ext cx="4389120" cy="369332"/>
+            </a:xfrm>
+            <a:prstGeom prst="rect">
+              <a:avLst/>
+            </a:prstGeom>
+            <a:noFill/>
+          </p:spPr>
+          <p:txBody>
+            <a:bodyPr wrap="square" rtlCol="0">
+              <a:spAutoFit/>
+            </a:bodyPr>
+            <a:lstStyle/>
+            <a:p>
+              <a:r>
+                <a:rPr lang="de-DE" dirty="0"/>
+                <a:t>Wie funktioniert es?</a:t>
+              </a:r>
+            </a:p>
+          </p:txBody>
+        </p:sp>
+        <p:sp>
+          <p:nvSpPr>
+            <p:cNvPr id="7" name="Textfeld 6">
+              <a:extLst>
+                <a:ext uri="{FF2B5EF4-FFF2-40B4-BE49-F238E27FC236}">
+                  <a16:creationId xmlns:a16="http://schemas.microsoft.com/office/drawing/2014/main" id="{FE97B36E-94CB-2673-96F5-E4ED9F28DC3D}"/>
+                </a:ext>
+              </a:extLst>
+            </p:cNvPr>
+            <p:cNvSpPr txBox="1"/>
+            <p:nvPr/>
+          </p:nvSpPr>
+          <p:spPr>
+            <a:xfrm>
+              <a:off x="1499616" y="3990356"/>
+              <a:ext cx="9317736" cy="1477328"/>
+            </a:xfrm>
+            <a:prstGeom prst="rect">
+              <a:avLst/>
+            </a:prstGeom>
+            <a:noFill/>
+          </p:spPr>
+          <p:txBody>
+            <a:bodyPr wrap="square" rtlCol="0">
+              <a:spAutoFit/>
+            </a:bodyPr>
+            <a:lstStyle/>
+            <a:p>
+              <a:pPr marL="285750" indent="-285750">
+                <a:buFont typeface="Arial" panose="020B0604020202020204" pitchFamily="34" charset="0"/>
+                <a:buChar char="•"/>
+              </a:pPr>
+              <a:r>
+                <a:rPr lang="de-DE" dirty="0"/>
+                <a:t>Zwei Semaphoren: </a:t>
+              </a:r>
+              <a:r>
+                <a:rPr lang="de-DE" b="1" dirty="0"/>
+                <a:t>Geteilt</a:t>
+              </a:r>
+              <a:r>
+                <a:rPr lang="de-DE" dirty="0"/>
+                <a:t> für Reader, </a:t>
+              </a:r>
+              <a:r>
+                <a:rPr lang="de-DE" b="1" dirty="0"/>
+                <a:t>Exklusiv</a:t>
+              </a:r>
+              <a:r>
+                <a:rPr lang="de-DE" dirty="0"/>
+                <a:t> für Writer</a:t>
+              </a:r>
+            </a:p>
+            <a:p>
+              <a:pPr marL="285750" indent="-285750">
+                <a:buFont typeface="Arial" panose="020B0604020202020204" pitchFamily="34" charset="0"/>
+                <a:buChar char="•"/>
+              </a:pPr>
+              <a:r>
+                <a:rPr lang="de-DE" dirty="0"/>
+                <a:t>Reader werden priorisiert</a:t>
+              </a:r>
+            </a:p>
+            <a:p>
+              <a:pPr marL="285750" indent="-285750">
+                <a:buFont typeface="Arial" panose="020B0604020202020204" pitchFamily="34" charset="0"/>
+                <a:buChar char="•"/>
+              </a:pPr>
+              <a:endParaRPr lang="de-DE" dirty="0"/>
+            </a:p>
+            <a:p>
+              <a:pPr marL="285750" indent="-285750">
+                <a:buFont typeface="Arial" panose="020B0604020202020204" pitchFamily="34" charset="0"/>
+                <a:buChar char="•"/>
+              </a:pPr>
+              <a:r>
+                <a:rPr lang="de-DE" dirty="0"/>
+                <a:t>Reader will lesen =&gt; 1. Reader blockiert Writers</a:t>
+              </a:r>
+            </a:p>
+            <a:p>
+              <a:pPr marL="285750" indent="-285750">
+                <a:buFont typeface="Arial" panose="020B0604020202020204" pitchFamily="34" charset="0"/>
+                <a:buChar char="•"/>
+              </a:pPr>
+              <a:r>
+                <a:rPr lang="de-DE" dirty="0"/>
+                <a:t>Writer will schreiben =&gt; wartet, bis alle Readers fertig sind</a:t>
+              </a:r>
+            </a:p>
+          </p:txBody>
+        </p:sp>
+      </p:grpSp>
     </p:spTree>
     <p:extLst>
       <p:ext uri="{BB962C8B-B14F-4D97-AF65-F5344CB8AC3E}">
-        <p14:creationId xmlns:p14="http://schemas.microsoft.com/office/powerpoint/2010/main" val="1168117392"/>
+        <p14:creationId xmlns:p14="http://schemas.microsoft.com/office/powerpoint/2010/main" val="1878768618"/>
+      </p:ext>
+    </p:extLst>
+  </p:cSld>
+  <p:clrMapOvr>
+    <a:masterClrMapping/>
+  </p:clrMapOvr>
+</p:sld>
+</file>
+
+<file path=ppt/slides/slide7.xml><?xml version="1.0" encoding="utf-8"?>
+<p:sld xmlns:a="http://schemas.openxmlformats.org/drawingml/2006/main" xmlns:r="http://schemas.openxmlformats.org/officeDocument/2006/relationships" xmlns:p="http://schemas.openxmlformats.org/presentationml/2006/main">
+  <p:cSld>
+    <p:spTree>
+      <p:nvGrpSpPr>
+        <p:cNvPr id="1" name="">
+          <a:extLst>
+            <a:ext uri="{FF2B5EF4-FFF2-40B4-BE49-F238E27FC236}">
+              <a16:creationId xmlns:a16="http://schemas.microsoft.com/office/drawing/2014/main" id="{CCFC43C3-C0A8-19C0-9D27-B43C20315CE0}"/>
+            </a:ext>
+          </a:extLst>
+        </p:cNvPr>
+        <p:cNvGrpSpPr/>
+        <p:nvPr/>
+      </p:nvGrpSpPr>
+      <p:grpSpPr>
+        <a:xfrm>
+          <a:off x="0" y="0"/>
+          <a:ext cx="0" cy="0"/>
+          <a:chOff x="0" y="0"/>
+          <a:chExt cx="0" cy="0"/>
+        </a:xfrm>
+      </p:grpSpPr>
+      <p:sp>
+        <p:nvSpPr>
+          <p:cNvPr id="2" name="Titel 1">
+            <a:extLst>
+              <a:ext uri="{FF2B5EF4-FFF2-40B4-BE49-F238E27FC236}">
+                <a16:creationId xmlns:a16="http://schemas.microsoft.com/office/drawing/2014/main" id="{D26374D6-2337-B03F-5378-B75B3E689DC8}"/>
+              </a:ext>
+            </a:extLst>
+          </p:cNvPr>
+          <p:cNvSpPr>
+            <a:spLocks noGrp="1"/>
+          </p:cNvSpPr>
+          <p:nvPr>
+            <p:ph type="title"/>
+          </p:nvPr>
+        </p:nvSpPr>
+        <p:spPr/>
+        <p:txBody>
+          <a:bodyPr/>
+          <a:lstStyle/>
+          <a:p>
+            <a:pPr algn="ctr"/>
+            <a:r>
+              <a:rPr lang="de-DE" sz="8000" b="1" dirty="0">
+                <a:solidFill>
+                  <a:schemeClr val="tx2">
+                    <a:lumMod val="60000"/>
+                    <a:lumOff val="40000"/>
+                  </a:schemeClr>
+                </a:solidFill>
+              </a:rPr>
+              <a:t>Unsere Lösung</a:t>
+            </a:r>
+            <a:endParaRPr lang="de-AT" b="1" dirty="0">
+              <a:solidFill>
+                <a:schemeClr val="tx2">
+                  <a:lumMod val="60000"/>
+                  <a:lumOff val="40000"/>
+                </a:schemeClr>
+              </a:solidFill>
+            </a:endParaRPr>
+          </a:p>
+        </p:txBody>
+      </p:sp>
+      <p:sp>
+        <p:nvSpPr>
+          <p:cNvPr id="4" name="Rechteck: abgerundete Ecken 3">
+            <a:extLst>
+              <a:ext uri="{FF2B5EF4-FFF2-40B4-BE49-F238E27FC236}">
+                <a16:creationId xmlns:a16="http://schemas.microsoft.com/office/drawing/2014/main" id="{8112B10E-321D-11A0-1760-7DF98B9CAB96}"/>
+              </a:ext>
+            </a:extLst>
+          </p:cNvPr>
+          <p:cNvSpPr/>
+          <p:nvPr/>
+        </p:nvSpPr>
+        <p:spPr>
+          <a:xfrm>
+            <a:off x="3345846" y="2225104"/>
+            <a:ext cx="5497131" cy="545528"/>
+          </a:xfrm>
+          <a:prstGeom prst="roundRect">
+            <a:avLst>
+              <a:gd name="adj" fmla="val 40133"/>
+            </a:avLst>
+          </a:prstGeom>
+          <a:solidFill>
+            <a:schemeClr val="dk1">
+              <a:alpha val="50000"/>
+            </a:schemeClr>
+          </a:solidFill>
+          <a:ln>
+            <a:noFill/>
+          </a:ln>
+        </p:spPr>
+        <p:style>
+          <a:lnRef idx="0">
+            <a:scrgbClr r="0" g="0" b="0"/>
+          </a:lnRef>
+          <a:fillRef idx="0">
+            <a:scrgbClr r="0" g="0" b="0"/>
+          </a:fillRef>
+          <a:effectRef idx="0">
+            <a:scrgbClr r="0" g="0" b="0"/>
+          </a:effectRef>
+          <a:fontRef idx="minor">
+            <a:schemeClr val="lt1"/>
+          </a:fontRef>
+        </p:style>
+        <p:txBody>
+          <a:bodyPr rtlCol="0" anchor="ctr"/>
+          <a:lstStyle/>
+          <a:p>
+            <a:pPr algn="ctr"/>
+            <a:r>
+              <a:rPr lang="de-DE" sz="2400" dirty="0" err="1"/>
+              <a:t>Combination</a:t>
+            </a:r>
+            <a:r>
+              <a:rPr lang="de-DE" sz="2400" dirty="0"/>
+              <a:t> </a:t>
+            </a:r>
+            <a:r>
+              <a:rPr lang="de-DE" sz="2400" dirty="0" err="1"/>
+              <a:t>Locking</a:t>
+            </a:r>
+            <a:r>
+              <a:rPr lang="de-DE" sz="2400" dirty="0"/>
+              <a:t> (</a:t>
+            </a:r>
+            <a:r>
+              <a:rPr lang="de-DE" sz="2400" dirty="0" err="1"/>
+              <a:t>Two</a:t>
+            </a:r>
+            <a:r>
+              <a:rPr lang="de-DE" sz="2400" dirty="0"/>
+              <a:t>-Level-</a:t>
+            </a:r>
+            <a:r>
+              <a:rPr lang="de-DE" sz="2400" dirty="0" err="1"/>
+              <a:t>Locking</a:t>
+            </a:r>
+            <a:r>
+              <a:rPr lang="de-DE" sz="2400" dirty="0"/>
+              <a:t>)</a:t>
+            </a:r>
+          </a:p>
+        </p:txBody>
+      </p:sp>
+      <p:grpSp>
+        <p:nvGrpSpPr>
+          <p:cNvPr id="8" name="Gruppieren 7">
+            <a:extLst>
+              <a:ext uri="{FF2B5EF4-FFF2-40B4-BE49-F238E27FC236}">
+                <a16:creationId xmlns:a16="http://schemas.microsoft.com/office/drawing/2014/main" id="{2E888168-5ECE-0D29-CD03-8CC8C5034F59}"/>
+              </a:ext>
+            </a:extLst>
+          </p:cNvPr>
+          <p:cNvGrpSpPr/>
+          <p:nvPr/>
+        </p:nvGrpSpPr>
+        <p:grpSpPr>
+          <a:xfrm>
+            <a:off x="1141414" y="3236976"/>
+            <a:ext cx="9905998" cy="3002506"/>
+            <a:chOff x="1141414" y="3236976"/>
+            <a:chExt cx="9905998" cy="3002506"/>
+          </a:xfrm>
+        </p:grpSpPr>
+        <p:sp>
+          <p:nvSpPr>
+            <p:cNvPr id="5" name="Rechteck: abgerundete Ecken 4">
+              <a:extLst>
+                <a:ext uri="{FF2B5EF4-FFF2-40B4-BE49-F238E27FC236}">
+                  <a16:creationId xmlns:a16="http://schemas.microsoft.com/office/drawing/2014/main" id="{04D752F1-43A6-9628-F158-0B9EEDFE9E4A}"/>
+                </a:ext>
+              </a:extLst>
+            </p:cNvPr>
+            <p:cNvSpPr/>
+            <p:nvPr/>
+          </p:nvSpPr>
+          <p:spPr>
+            <a:xfrm>
+              <a:off x="1141414" y="3236976"/>
+              <a:ext cx="9905998" cy="3002506"/>
+            </a:xfrm>
+            <a:prstGeom prst="roundRect">
+              <a:avLst/>
+            </a:prstGeom>
+            <a:noFill/>
+            <a:ln w="9525" cap="flat" cmpd="sng" algn="ctr">
+              <a:solidFill>
+                <a:schemeClr val="accent3"/>
+              </a:solidFill>
+              <a:prstDash val="solid"/>
+              <a:round/>
+              <a:headEnd type="none" w="med" len="med"/>
+              <a:tailEnd type="none" w="med" len="med"/>
+            </a:ln>
+          </p:spPr>
+          <p:style>
+            <a:lnRef idx="0">
+              <a:scrgbClr r="0" g="0" b="0"/>
+            </a:lnRef>
+            <a:fillRef idx="0">
+              <a:scrgbClr r="0" g="0" b="0"/>
+            </a:fillRef>
+            <a:effectRef idx="0">
+              <a:scrgbClr r="0" g="0" b="0"/>
+            </a:effectRef>
+            <a:fontRef idx="minor">
+              <a:schemeClr val="accent3"/>
+            </a:fontRef>
+          </p:style>
+          <p:txBody>
+            <a:bodyPr rtlCol="0" anchor="ctr"/>
+            <a:lstStyle/>
+            <a:p>
+              <a:pPr algn="ctr"/>
+              <a:endParaRPr lang="de-DE"/>
+            </a:p>
+          </p:txBody>
+        </p:sp>
+        <p:sp>
+          <p:nvSpPr>
+            <p:cNvPr id="6" name="Textfeld 5">
+              <a:extLst>
+                <a:ext uri="{FF2B5EF4-FFF2-40B4-BE49-F238E27FC236}">
+                  <a16:creationId xmlns:a16="http://schemas.microsoft.com/office/drawing/2014/main" id="{F87CB1BD-ABC4-D236-D5CA-740E68FF023B}"/>
+                </a:ext>
+              </a:extLst>
+            </p:cNvPr>
+            <p:cNvSpPr txBox="1"/>
+            <p:nvPr/>
+          </p:nvSpPr>
+          <p:spPr>
+            <a:xfrm>
+              <a:off x="1499616" y="3429000"/>
+              <a:ext cx="4389120" cy="369332"/>
+            </a:xfrm>
+            <a:prstGeom prst="rect">
+              <a:avLst/>
+            </a:prstGeom>
+            <a:noFill/>
+          </p:spPr>
+          <p:txBody>
+            <a:bodyPr wrap="square" rtlCol="0">
+              <a:spAutoFit/>
+            </a:bodyPr>
+            <a:lstStyle/>
+            <a:p>
+              <a:r>
+                <a:rPr lang="de-DE" dirty="0"/>
+                <a:t>Vorteile</a:t>
+              </a:r>
+            </a:p>
+          </p:txBody>
+        </p:sp>
+        <p:sp>
+          <p:nvSpPr>
+            <p:cNvPr id="7" name="Textfeld 6">
+              <a:extLst>
+                <a:ext uri="{FF2B5EF4-FFF2-40B4-BE49-F238E27FC236}">
+                  <a16:creationId xmlns:a16="http://schemas.microsoft.com/office/drawing/2014/main" id="{65D73E93-48BA-C6FB-36A5-F31BC292A2A0}"/>
+                </a:ext>
+              </a:extLst>
+            </p:cNvPr>
+            <p:cNvSpPr txBox="1"/>
+            <p:nvPr/>
+          </p:nvSpPr>
+          <p:spPr>
+            <a:xfrm>
+              <a:off x="1499616" y="3990356"/>
+              <a:ext cx="9317736" cy="923330"/>
+            </a:xfrm>
+            <a:prstGeom prst="rect">
+              <a:avLst/>
+            </a:prstGeom>
+            <a:noFill/>
+          </p:spPr>
+          <p:txBody>
+            <a:bodyPr wrap="square" rtlCol="0">
+              <a:spAutoFit/>
+            </a:bodyPr>
+            <a:lstStyle/>
+            <a:p>
+              <a:pPr marL="285750" indent="-285750">
+                <a:buFont typeface="Arial" panose="020B0604020202020204" pitchFamily="34" charset="0"/>
+                <a:buChar char="•"/>
+              </a:pPr>
+              <a:r>
+                <a:rPr lang="de-DE" dirty="0"/>
+                <a:t>Hohe Parallelität beim Lesen</a:t>
+              </a:r>
+            </a:p>
+            <a:p>
+              <a:pPr marL="285750" indent="-285750">
+                <a:buFont typeface="Arial" panose="020B0604020202020204" pitchFamily="34" charset="0"/>
+                <a:buChar char="•"/>
+              </a:pPr>
+              <a:r>
+                <a:rPr lang="de-DE" dirty="0"/>
+                <a:t>Flexibilität; leicht anpassbar</a:t>
+              </a:r>
+            </a:p>
+            <a:p>
+              <a:pPr marL="285750" indent="-285750">
+                <a:buFont typeface="Arial" panose="020B0604020202020204" pitchFamily="34" charset="0"/>
+                <a:buChar char="•"/>
+              </a:pPr>
+              <a:r>
+                <a:rPr lang="de-DE" dirty="0"/>
+                <a:t>Einfache Vermeidung von Deadlocks</a:t>
+              </a:r>
+            </a:p>
+          </p:txBody>
+        </p:sp>
+      </p:grpSp>
+    </p:spTree>
+    <p:extLst>
+      <p:ext uri="{BB962C8B-B14F-4D97-AF65-F5344CB8AC3E}">
+        <p14:creationId xmlns:p14="http://schemas.microsoft.com/office/powerpoint/2010/main" val="2936746001"/>
+      </p:ext>
+    </p:extLst>
+  </p:cSld>
+  <p:clrMapOvr>
+    <a:masterClrMapping/>
+  </p:clrMapOvr>
+</p:sld>
+</file>
+
+<file path=ppt/slides/slide8.xml><?xml version="1.0" encoding="utf-8"?>
+<p:sld xmlns:a="http://schemas.openxmlformats.org/drawingml/2006/main" xmlns:r="http://schemas.openxmlformats.org/officeDocument/2006/relationships" xmlns:p="http://schemas.openxmlformats.org/presentationml/2006/main">
+  <p:cSld>
+    <p:spTree>
+      <p:nvGrpSpPr>
+        <p:cNvPr id="1" name="">
+          <a:extLst>
+            <a:ext uri="{FF2B5EF4-FFF2-40B4-BE49-F238E27FC236}">
+              <a16:creationId xmlns:a16="http://schemas.microsoft.com/office/drawing/2014/main" id="{5AA5C8C6-4658-E0D8-B14F-8321F932A3A5}"/>
+            </a:ext>
+          </a:extLst>
+        </p:cNvPr>
+        <p:cNvGrpSpPr/>
+        <p:nvPr/>
+      </p:nvGrpSpPr>
+      <p:grpSpPr>
+        <a:xfrm>
+          <a:off x="0" y="0"/>
+          <a:ext cx="0" cy="0"/>
+          <a:chOff x="0" y="0"/>
+          <a:chExt cx="0" cy="0"/>
+        </a:xfrm>
+      </p:grpSpPr>
+      <p:sp>
+        <p:nvSpPr>
+          <p:cNvPr id="2" name="Titel 1">
+            <a:extLst>
+              <a:ext uri="{FF2B5EF4-FFF2-40B4-BE49-F238E27FC236}">
+                <a16:creationId xmlns:a16="http://schemas.microsoft.com/office/drawing/2014/main" id="{3F8E407A-49DE-10CC-90CD-7C99983E2E81}"/>
+              </a:ext>
+            </a:extLst>
+          </p:cNvPr>
+          <p:cNvSpPr>
+            <a:spLocks noGrp="1"/>
+          </p:cNvSpPr>
+          <p:nvPr>
+            <p:ph type="title"/>
+          </p:nvPr>
+        </p:nvSpPr>
+        <p:spPr/>
+        <p:txBody>
+          <a:bodyPr/>
+          <a:lstStyle/>
+          <a:p>
+            <a:pPr algn="ctr"/>
+            <a:r>
+              <a:rPr lang="de-DE" sz="8000" b="1" dirty="0">
+                <a:solidFill>
+                  <a:schemeClr val="tx2">
+                    <a:lumMod val="60000"/>
+                    <a:lumOff val="40000"/>
+                  </a:schemeClr>
+                </a:solidFill>
+              </a:rPr>
+              <a:t>Unsere Lösung</a:t>
+            </a:r>
+            <a:endParaRPr lang="de-AT" b="1" dirty="0">
+              <a:solidFill>
+                <a:schemeClr val="tx2">
+                  <a:lumMod val="60000"/>
+                  <a:lumOff val="40000"/>
+                </a:schemeClr>
+              </a:solidFill>
+            </a:endParaRPr>
+          </a:p>
+        </p:txBody>
+      </p:sp>
+      <p:sp>
+        <p:nvSpPr>
+          <p:cNvPr id="4" name="Rechteck: abgerundete Ecken 3">
+            <a:extLst>
+              <a:ext uri="{FF2B5EF4-FFF2-40B4-BE49-F238E27FC236}">
+                <a16:creationId xmlns:a16="http://schemas.microsoft.com/office/drawing/2014/main" id="{5152297E-A9DB-7097-3425-ED2094975CC3}"/>
+              </a:ext>
+            </a:extLst>
+          </p:cNvPr>
+          <p:cNvSpPr/>
+          <p:nvPr/>
+        </p:nvSpPr>
+        <p:spPr>
+          <a:xfrm>
+            <a:off x="3345846" y="2225104"/>
+            <a:ext cx="5497131" cy="545528"/>
+          </a:xfrm>
+          <a:prstGeom prst="roundRect">
+            <a:avLst>
+              <a:gd name="adj" fmla="val 40133"/>
+            </a:avLst>
+          </a:prstGeom>
+          <a:solidFill>
+            <a:schemeClr val="dk1">
+              <a:alpha val="50000"/>
+            </a:schemeClr>
+          </a:solidFill>
+          <a:ln>
+            <a:noFill/>
+          </a:ln>
+        </p:spPr>
+        <p:style>
+          <a:lnRef idx="0">
+            <a:scrgbClr r="0" g="0" b="0"/>
+          </a:lnRef>
+          <a:fillRef idx="0">
+            <a:scrgbClr r="0" g="0" b="0"/>
+          </a:fillRef>
+          <a:effectRef idx="0">
+            <a:scrgbClr r="0" g="0" b="0"/>
+          </a:effectRef>
+          <a:fontRef idx="minor">
+            <a:schemeClr val="lt1"/>
+          </a:fontRef>
+        </p:style>
+        <p:txBody>
+          <a:bodyPr rtlCol="0" anchor="ctr"/>
+          <a:lstStyle/>
+          <a:p>
+            <a:pPr algn="ctr"/>
+            <a:r>
+              <a:rPr lang="de-DE" sz="2400" dirty="0" err="1"/>
+              <a:t>Combination</a:t>
+            </a:r>
+            <a:r>
+              <a:rPr lang="de-DE" sz="2400" dirty="0"/>
+              <a:t> </a:t>
+            </a:r>
+            <a:r>
+              <a:rPr lang="de-DE" sz="2400" dirty="0" err="1"/>
+              <a:t>Locking</a:t>
+            </a:r>
+            <a:r>
+              <a:rPr lang="de-DE" sz="2400" dirty="0"/>
+              <a:t> (</a:t>
+            </a:r>
+            <a:r>
+              <a:rPr lang="de-DE" sz="2400" dirty="0" err="1"/>
+              <a:t>Two</a:t>
+            </a:r>
+            <a:r>
+              <a:rPr lang="de-DE" sz="2400" dirty="0"/>
+              <a:t>-Level-</a:t>
+            </a:r>
+            <a:r>
+              <a:rPr lang="de-DE" sz="2400" dirty="0" err="1"/>
+              <a:t>Locking</a:t>
+            </a:r>
+            <a:r>
+              <a:rPr lang="de-DE" sz="2400" dirty="0"/>
+              <a:t>)</a:t>
+            </a:r>
+          </a:p>
+        </p:txBody>
+      </p:sp>
+      <p:grpSp>
+        <p:nvGrpSpPr>
+          <p:cNvPr id="8" name="Gruppieren 7">
+            <a:extLst>
+              <a:ext uri="{FF2B5EF4-FFF2-40B4-BE49-F238E27FC236}">
+                <a16:creationId xmlns:a16="http://schemas.microsoft.com/office/drawing/2014/main" id="{33912568-FFEE-0279-DF02-A9FD6FD41CE2}"/>
+              </a:ext>
+            </a:extLst>
+          </p:cNvPr>
+          <p:cNvGrpSpPr/>
+          <p:nvPr/>
+        </p:nvGrpSpPr>
+        <p:grpSpPr>
+          <a:xfrm>
+            <a:off x="1141414" y="3236976"/>
+            <a:ext cx="9905998" cy="3002506"/>
+            <a:chOff x="1141414" y="3236976"/>
+            <a:chExt cx="9905998" cy="3002506"/>
+          </a:xfrm>
+        </p:grpSpPr>
+        <p:sp>
+          <p:nvSpPr>
+            <p:cNvPr id="5" name="Rechteck: abgerundete Ecken 4">
+              <a:extLst>
+                <a:ext uri="{FF2B5EF4-FFF2-40B4-BE49-F238E27FC236}">
+                  <a16:creationId xmlns:a16="http://schemas.microsoft.com/office/drawing/2014/main" id="{312571B5-7B3A-A013-8D0D-0CFF80C5282A}"/>
+                </a:ext>
+              </a:extLst>
+            </p:cNvPr>
+            <p:cNvSpPr/>
+            <p:nvPr/>
+          </p:nvSpPr>
+          <p:spPr>
+            <a:xfrm>
+              <a:off x="1141414" y="3236976"/>
+              <a:ext cx="9905998" cy="3002506"/>
+            </a:xfrm>
+            <a:prstGeom prst="roundRect">
+              <a:avLst/>
+            </a:prstGeom>
+            <a:noFill/>
+            <a:ln w="9525" cap="flat" cmpd="sng" algn="ctr">
+              <a:solidFill>
+                <a:schemeClr val="accent3"/>
+              </a:solidFill>
+              <a:prstDash val="solid"/>
+              <a:round/>
+              <a:headEnd type="none" w="med" len="med"/>
+              <a:tailEnd type="none" w="med" len="med"/>
+            </a:ln>
+          </p:spPr>
+          <p:style>
+            <a:lnRef idx="0">
+              <a:scrgbClr r="0" g="0" b="0"/>
+            </a:lnRef>
+            <a:fillRef idx="0">
+              <a:scrgbClr r="0" g="0" b="0"/>
+            </a:fillRef>
+            <a:effectRef idx="0">
+              <a:scrgbClr r="0" g="0" b="0"/>
+            </a:effectRef>
+            <a:fontRef idx="minor">
+              <a:schemeClr val="accent3"/>
+            </a:fontRef>
+          </p:style>
+          <p:txBody>
+            <a:bodyPr rtlCol="0" anchor="ctr"/>
+            <a:lstStyle/>
+            <a:p>
+              <a:pPr algn="ctr"/>
+              <a:endParaRPr lang="de-DE"/>
+            </a:p>
+          </p:txBody>
+        </p:sp>
+        <p:sp>
+          <p:nvSpPr>
+            <p:cNvPr id="6" name="Textfeld 5">
+              <a:extLst>
+                <a:ext uri="{FF2B5EF4-FFF2-40B4-BE49-F238E27FC236}">
+                  <a16:creationId xmlns:a16="http://schemas.microsoft.com/office/drawing/2014/main" id="{3291588B-BC23-382E-E0EA-F4924A6C1D4E}"/>
+                </a:ext>
+              </a:extLst>
+            </p:cNvPr>
+            <p:cNvSpPr txBox="1"/>
+            <p:nvPr/>
+          </p:nvSpPr>
+          <p:spPr>
+            <a:xfrm>
+              <a:off x="1499616" y="3429000"/>
+              <a:ext cx="4389120" cy="369332"/>
+            </a:xfrm>
+            <a:prstGeom prst="rect">
+              <a:avLst/>
+            </a:prstGeom>
+            <a:noFill/>
+          </p:spPr>
+          <p:txBody>
+            <a:bodyPr wrap="square" rtlCol="0">
+              <a:spAutoFit/>
+            </a:bodyPr>
+            <a:lstStyle/>
+            <a:p>
+              <a:r>
+                <a:rPr lang="de-DE" dirty="0"/>
+                <a:t>Nachteile</a:t>
+              </a:r>
+            </a:p>
+          </p:txBody>
+        </p:sp>
+        <p:sp>
+          <p:nvSpPr>
+            <p:cNvPr id="7" name="Textfeld 6">
+              <a:extLst>
+                <a:ext uri="{FF2B5EF4-FFF2-40B4-BE49-F238E27FC236}">
+                  <a16:creationId xmlns:a16="http://schemas.microsoft.com/office/drawing/2014/main" id="{7A02502F-25E2-713B-235F-3FF97D30BCBB}"/>
+                </a:ext>
+              </a:extLst>
+            </p:cNvPr>
+            <p:cNvSpPr txBox="1"/>
+            <p:nvPr/>
+          </p:nvSpPr>
+          <p:spPr>
+            <a:xfrm>
+              <a:off x="1499616" y="3990356"/>
+              <a:ext cx="9317736" cy="923330"/>
+            </a:xfrm>
+            <a:prstGeom prst="rect">
+              <a:avLst/>
+            </a:prstGeom>
+            <a:noFill/>
+          </p:spPr>
+          <p:txBody>
+            <a:bodyPr wrap="square" rtlCol="0">
+              <a:spAutoFit/>
+            </a:bodyPr>
+            <a:lstStyle/>
+            <a:p>
+              <a:pPr marL="285750" indent="-285750">
+                <a:buFont typeface="Arial" panose="020B0604020202020204" pitchFamily="34" charset="0"/>
+                <a:buChar char="•"/>
+              </a:pPr>
+              <a:r>
+                <a:rPr lang="de-DE" dirty="0"/>
+                <a:t>Komplexe Implementierung</a:t>
+              </a:r>
+            </a:p>
+            <a:p>
+              <a:pPr marL="285750" indent="-285750">
+                <a:buFont typeface="Arial" panose="020B0604020202020204" pitchFamily="34" charset="0"/>
+                <a:buChar char="•"/>
+              </a:pPr>
+              <a:r>
+                <a:rPr lang="de-DE" dirty="0"/>
+                <a:t>Viel Tuning nötig, um </a:t>
+              </a:r>
+              <a:r>
+                <a:rPr lang="de-DE" dirty="0" err="1"/>
+                <a:t>Starvation</a:t>
+              </a:r>
+              <a:r>
+                <a:rPr lang="de-DE" dirty="0"/>
+                <a:t> zu verhindern</a:t>
+              </a:r>
+            </a:p>
+            <a:p>
+              <a:pPr marL="285750" indent="-285750">
+                <a:buFont typeface="Arial" panose="020B0604020202020204" pitchFamily="34" charset="0"/>
+                <a:buChar char="•"/>
+              </a:pPr>
+              <a:r>
+                <a:rPr lang="de-DE" dirty="0"/>
+                <a:t>Overhead bei vielen Threads</a:t>
+              </a:r>
+            </a:p>
+          </p:txBody>
+        </p:sp>
+      </p:grpSp>
+    </p:spTree>
+    <p:extLst>
+      <p:ext uri="{BB962C8B-B14F-4D97-AF65-F5344CB8AC3E}">
+        <p14:creationId xmlns:p14="http://schemas.microsoft.com/office/powerpoint/2010/main" val="3587857271"/>
       </p:ext>
     </p:extLst>
   </p:cSld>
